--- a/Word Search.pptx
+++ b/Word Search.pptx
@@ -13,8 +13,11 @@
     <p:sldId id="262" r:id="rId7"/>
     <p:sldId id="263" r:id="rId8"/>
     <p:sldId id="264" r:id="rId9"/>
-    <p:sldId id="265" r:id="rId10"/>
-    <p:sldId id="261" r:id="rId11"/>
+    <p:sldId id="266" r:id="rId10"/>
+    <p:sldId id="267" r:id="rId11"/>
+    <p:sldId id="265" r:id="rId12"/>
+    <p:sldId id="261" r:id="rId13"/>
+    <p:sldId id="268" r:id="rId14"/>
   </p:sldIdLst>
   <p:sldSz cx="9144000" cy="6858000" type="screen4x3"/>
   <p:notesSz cx="6858000" cy="9144000"/>
@@ -303,7 +306,7 @@
           <a:p>
             <a:fld id="{2C301472-ACE9-4EF8-AA8D-ADCA5511E80B}" type="datetimeFigureOut">
               <a:rPr lang="en-US" smtClean="0"/>
-              <a:t>4/27/2013</a:t>
+              <a:t>4/30/2013</a:t>
             </a:fld>
             <a:endParaRPr lang="en-US" dirty="0"/>
           </a:p>
@@ -468,7 +471,7 @@
           <a:p>
             <a:fld id="{2C301472-ACE9-4EF8-AA8D-ADCA5511E80B}" type="datetimeFigureOut">
               <a:rPr lang="en-US" smtClean="0"/>
-              <a:t>4/27/2013</a:t>
+              <a:t>4/30/2013</a:t>
             </a:fld>
             <a:endParaRPr lang="en-US" dirty="0"/>
           </a:p>
@@ -643,7 +646,7 @@
           <a:p>
             <a:fld id="{2C301472-ACE9-4EF8-AA8D-ADCA5511E80B}" type="datetimeFigureOut">
               <a:rPr lang="en-US" smtClean="0"/>
-              <a:t>4/27/2013</a:t>
+              <a:t>4/30/2013</a:t>
             </a:fld>
             <a:endParaRPr lang="en-US" dirty="0"/>
           </a:p>
@@ -808,7 +811,7 @@
           <a:p>
             <a:fld id="{2C301472-ACE9-4EF8-AA8D-ADCA5511E80B}" type="datetimeFigureOut">
               <a:rPr lang="en-US" smtClean="0"/>
-              <a:t>4/27/2013</a:t>
+              <a:t>4/30/2013</a:t>
             </a:fld>
             <a:endParaRPr lang="en-US" dirty="0"/>
           </a:p>
@@ -1047,7 +1050,7 @@
           <a:p>
             <a:fld id="{2C301472-ACE9-4EF8-AA8D-ADCA5511E80B}" type="datetimeFigureOut">
               <a:rPr lang="en-US" smtClean="0"/>
-              <a:t>4/27/2013</a:t>
+              <a:t>4/30/2013</a:t>
             </a:fld>
             <a:endParaRPr lang="en-US" dirty="0"/>
           </a:p>
@@ -1137,7 +1140,7 @@
           <a:p>
             <a:fld id="{2C301472-ACE9-4EF8-AA8D-ADCA5511E80B}" type="datetimeFigureOut">
               <a:rPr lang="en-US" smtClean="0"/>
-              <a:t>4/27/2013</a:t>
+              <a:t>4/30/2013</a:t>
             </a:fld>
             <a:endParaRPr lang="en-US" dirty="0"/>
           </a:p>
@@ -1511,7 +1514,7 @@
           <a:p>
             <a:fld id="{2C301472-ACE9-4EF8-AA8D-ADCA5511E80B}" type="datetimeFigureOut">
               <a:rPr lang="en-US" smtClean="0"/>
-              <a:t>4/27/2013</a:t>
+              <a:t>4/30/2013</a:t>
             </a:fld>
             <a:endParaRPr lang="en-US" dirty="0"/>
           </a:p>
@@ -1766,7 +1769,7 @@
           <a:p>
             <a:fld id="{2C301472-ACE9-4EF8-AA8D-ADCA5511E80B}" type="datetimeFigureOut">
               <a:rPr lang="en-US" smtClean="0"/>
-              <a:t>4/27/2013</a:t>
+              <a:t>4/30/2013</a:t>
             </a:fld>
             <a:endParaRPr lang="en-US" dirty="0"/>
           </a:p>
@@ -1856,7 +1859,7 @@
           <a:p>
             <a:fld id="{2C301472-ACE9-4EF8-AA8D-ADCA5511E80B}" type="datetimeFigureOut">
               <a:rPr lang="en-US" smtClean="0"/>
-              <a:t>4/27/2013</a:t>
+              <a:t>4/30/2013</a:t>
             </a:fld>
             <a:endParaRPr lang="en-US" dirty="0"/>
           </a:p>
@@ -2130,7 +2133,7 @@
           <a:p>
             <a:fld id="{2C301472-ACE9-4EF8-AA8D-ADCA5511E80B}" type="datetimeFigureOut">
               <a:rPr lang="en-US" smtClean="0"/>
-              <a:t>4/27/2013</a:t>
+              <a:t>4/30/2013</a:t>
             </a:fld>
             <a:endParaRPr lang="en-US" dirty="0"/>
           </a:p>
@@ -2402,7 +2405,7 @@
           <a:p>
             <a:fld id="{2C301472-ACE9-4EF8-AA8D-ADCA5511E80B}" type="datetimeFigureOut">
               <a:rPr lang="en-US" smtClean="0"/>
-              <a:t>4/27/2013</a:t>
+              <a:t>4/30/2013</a:t>
             </a:fld>
             <a:endParaRPr lang="en-US" dirty="0"/>
           </a:p>
@@ -2702,7 +2705,7 @@
           <a:p>
             <a:fld id="{2C301472-ACE9-4EF8-AA8D-ADCA5511E80B}" type="datetimeFigureOut">
               <a:rPr lang="en-US" smtClean="0"/>
-              <a:t>4/27/2013</a:t>
+              <a:t>4/30/2013</a:t>
             </a:fld>
             <a:endParaRPr lang="en-US" dirty="0"/>
           </a:p>
@@ -3191,29 +3194,43 @@
           <a:p>
             <a:r>
               <a:rPr lang="en-US" dirty="0" smtClean="0"/>
-              <a:t>By: Brandon </a:t>
+              <a:t>By: Brandon Bosso, Austin Diviness, Naomi Plasterer and Jason </a:t>
             </a:r>
             <a:r>
               <a:rPr lang="en-US" dirty="0" smtClean="0"/>
-              <a:t>Bosso</a:t>
-            </a:r>
-            <a:r>
-              <a:rPr lang="en-US" dirty="0" smtClean="0"/>
-              <a:t>, Austin </a:t>
-            </a:r>
-            <a:r>
-              <a:rPr lang="en-US" dirty="0" smtClean="0"/>
-              <a:t>Diviness</a:t>
-            </a:r>
-            <a:r>
-              <a:rPr lang="en-US" dirty="0" smtClean="0"/>
-              <a:t>, Naomi Plasterer and Jason </a:t>
-            </a:r>
-            <a:r>
-              <a:rPr lang="en-US" dirty="0" smtClean="0"/>
-              <a:t>Stienberg</a:t>
-            </a:r>
-            <a:endParaRPr lang="en-US" dirty="0"/>
+              <a:t>Steinberg</a:t>
+            </a:r>
+            <a:endParaRPr lang="en-US" dirty="0"/>
+          </a:p>
+        </p:txBody>
+      </p:sp>
+      <p:sp>
+        <p:nvSpPr>
+          <p:cNvPr id="4" name="TextBox 3"/>
+          <p:cNvSpPr txBox="1"/>
+          <p:nvPr/>
+        </p:nvSpPr>
+        <p:spPr>
+          <a:xfrm>
+            <a:off x="2438400" y="3891280"/>
+            <a:ext cx="2971800" cy="400110"/>
+          </a:xfrm>
+          <a:prstGeom prst="rect">
+            <a:avLst/>
+          </a:prstGeom>
+          <a:noFill/>
+        </p:spPr>
+        <p:txBody>
+          <a:bodyPr wrap="square" rtlCol="0">
+            <a:spAutoFit/>
+          </a:bodyPr>
+          <a:lstStyle/>
+          <a:p>
+            <a:r>
+              <a:rPr lang="en-US" sz="2000" dirty="0" smtClean="0"/>
+              <a:t>TEAM AWESOME</a:t>
+            </a:r>
+            <a:endParaRPr lang="en-US" sz="2000" dirty="0"/>
           </a:p>
         </p:txBody>
       </p:sp>
@@ -3264,6 +3281,34 @@
           </a:xfrm>
         </p:spPr>
         <p:txBody>
+          <a:bodyPr/>
+          <a:lstStyle/>
+          <a:p>
+            <a:r>
+              <a:rPr lang="en-US" dirty="0" smtClean="0"/>
+              <a:t>Functionality</a:t>
+            </a:r>
+            <a:endParaRPr lang="en-US" dirty="0"/>
+          </a:p>
+        </p:txBody>
+      </p:sp>
+      <p:sp>
+        <p:nvSpPr>
+          <p:cNvPr id="3" name="Content Placeholder 2"/>
+          <p:cNvSpPr>
+            <a:spLocks noGrp="1"/>
+          </p:cNvSpPr>
+          <p:nvPr>
+            <p:ph idx="1"/>
+          </p:nvPr>
+        </p:nvSpPr>
+        <p:spPr>
+          <a:xfrm>
+            <a:off x="914400" y="1752601"/>
+            <a:ext cx="7543800" cy="533399"/>
+          </a:xfrm>
+        </p:spPr>
+        <p:txBody>
           <a:bodyPr>
             <a:normAutofit/>
           </a:bodyPr>
@@ -3271,7 +3316,287 @@
           <a:p>
             <a:r>
               <a:rPr lang="en-US" dirty="0" smtClean="0"/>
-              <a:t>Complete Game</a:t>
+              <a:t>ALGORITHM FOR CROSSING</a:t>
+            </a:r>
+            <a:endParaRPr lang="en-US" dirty="0"/>
+          </a:p>
+        </p:txBody>
+      </p:sp>
+      <p:sp>
+        <p:nvSpPr>
+          <p:cNvPr id="4" name="TextBox 3"/>
+          <p:cNvSpPr txBox="1"/>
+          <p:nvPr/>
+        </p:nvSpPr>
+        <p:spPr>
+          <a:xfrm>
+            <a:off x="1143000" y="2286000"/>
+            <a:ext cx="7162800" cy="3970318"/>
+          </a:xfrm>
+          <a:prstGeom prst="rect">
+            <a:avLst/>
+          </a:prstGeom>
+          <a:noFill/>
+        </p:spPr>
+        <p:txBody>
+          <a:bodyPr wrap="square" rtlCol="0">
+            <a:spAutoFit/>
+          </a:bodyPr>
+          <a:lstStyle/>
+          <a:p>
+            <a:r>
+              <a:rPr lang="en-US" dirty="0"/>
+              <a:t>// / diagonal</a:t>
+            </a:r>
+          </a:p>
+          <a:p>
+            <a:r>
+              <a:rPr lang="en-US" b="1" dirty="0"/>
+              <a:t>case 2:</a:t>
+            </a:r>
+          </a:p>
+          <a:p>
+            <a:r>
+              <a:rPr lang="en-US" dirty="0"/>
+              <a:t>row = </a:t>
+            </a:r>
+            <a:r>
+              <a:rPr lang="en-US" dirty="0" err="1"/>
+              <a:t>rand.nextInt</a:t>
+            </a:r>
+            <a:r>
+              <a:rPr lang="en-US" dirty="0"/>
+              <a:t>(rows - </a:t>
+            </a:r>
+            <a:r>
+              <a:rPr lang="en-US" dirty="0" err="1"/>
+              <a:t>word.length</a:t>
+            </a:r>
+            <a:r>
+              <a:rPr lang="en-US" dirty="0"/>
+              <a:t>()) + </a:t>
+            </a:r>
+            <a:r>
+              <a:rPr lang="en-US" dirty="0" err="1"/>
+              <a:t>word.length</a:t>
+            </a:r>
+            <a:r>
+              <a:rPr lang="en-US" dirty="0"/>
+              <a:t>();</a:t>
+            </a:r>
+          </a:p>
+          <a:p>
+            <a:r>
+              <a:rPr lang="en-US" dirty="0"/>
+              <a:t>column = </a:t>
+            </a:r>
+            <a:r>
+              <a:rPr lang="en-US" dirty="0" err="1"/>
+              <a:t>rand.nextInt</a:t>
+            </a:r>
+            <a:r>
+              <a:rPr lang="en-US" dirty="0"/>
+              <a:t>(columns - </a:t>
+            </a:r>
+            <a:r>
+              <a:rPr lang="en-US" dirty="0" err="1"/>
+              <a:t>word.length</a:t>
+            </a:r>
+            <a:r>
+              <a:rPr lang="en-US" dirty="0"/>
+              <a:t>());</a:t>
+            </a:r>
+          </a:p>
+          <a:p>
+            <a:r>
+              <a:rPr lang="en-US" b="1" dirty="0"/>
+              <a:t>if(</a:t>
+            </a:r>
+            <a:r>
+              <a:rPr lang="en-US" b="1" dirty="0" err="1"/>
+              <a:t>checkValidLocation</a:t>
+            </a:r>
+            <a:r>
+              <a:rPr lang="en-US" b="1" dirty="0"/>
+              <a:t>(new Point(column, row), new Point(column + </a:t>
+            </a:r>
+            <a:r>
+              <a:rPr lang="en-US" b="1" dirty="0" err="1"/>
+              <a:t>word.length</a:t>
+            </a:r>
+            <a:r>
+              <a:rPr lang="en-US" b="1" dirty="0"/>
+              <a:t>(), row - </a:t>
+            </a:r>
+            <a:r>
+              <a:rPr lang="en-US" b="1" dirty="0" err="1"/>
+              <a:t>word.length</a:t>
+            </a:r>
+            <a:r>
+              <a:rPr lang="en-US" b="1" dirty="0"/>
+              <a:t>()), word)) {</a:t>
+            </a:r>
+          </a:p>
+          <a:p>
+            <a:r>
+              <a:rPr lang="nn-NO" b="1" dirty="0"/>
+              <a:t>for(int i = 0; i &lt; word.length(); i++) {</a:t>
+            </a:r>
+          </a:p>
+          <a:p>
+            <a:r>
+              <a:rPr lang="en-US" dirty="0" err="1"/>
+              <a:t>getCellAt</a:t>
+            </a:r>
+            <a:r>
+              <a:rPr lang="en-US" dirty="0"/>
+              <a:t>(row - </a:t>
+            </a:r>
+            <a:r>
+              <a:rPr lang="en-US" dirty="0" err="1"/>
+              <a:t>i</a:t>
+            </a:r>
+            <a:r>
+              <a:rPr lang="en-US" dirty="0"/>
+              <a:t>, column + </a:t>
+            </a:r>
+            <a:r>
+              <a:rPr lang="en-US" dirty="0" err="1"/>
+              <a:t>i</a:t>
+            </a:r>
+            <a:r>
+              <a:rPr lang="en-US" dirty="0"/>
+              <a:t>).</a:t>
+            </a:r>
+            <a:r>
+              <a:rPr lang="en-US" dirty="0" err="1"/>
+              <a:t>setLetter</a:t>
+            </a:r>
+            <a:r>
+              <a:rPr lang="en-US" dirty="0"/>
+              <a:t>(</a:t>
+            </a:r>
+            <a:r>
+              <a:rPr lang="en-US" dirty="0" err="1"/>
+              <a:t>word.charAt</a:t>
+            </a:r>
+            <a:r>
+              <a:rPr lang="en-US" dirty="0"/>
+              <a:t>(</a:t>
+            </a:r>
+            <a:r>
+              <a:rPr lang="en-US" dirty="0" err="1"/>
+              <a:t>i</a:t>
+            </a:r>
+            <a:r>
+              <a:rPr lang="en-US" dirty="0"/>
+              <a:t>));</a:t>
+            </a:r>
+          </a:p>
+          <a:p>
+            <a:r>
+              <a:rPr lang="en-US" dirty="0"/>
+              <a:t>}</a:t>
+            </a:r>
+          </a:p>
+          <a:p>
+            <a:r>
+              <a:rPr lang="en-US" dirty="0"/>
+              <a:t>}</a:t>
+            </a:r>
+          </a:p>
+          <a:p>
+            <a:r>
+              <a:rPr lang="en-US" b="1" dirty="0"/>
+              <a:t>else {</a:t>
+            </a:r>
+          </a:p>
+          <a:p>
+            <a:r>
+              <a:rPr lang="en-US" dirty="0" err="1"/>
+              <a:t>insertWord</a:t>
+            </a:r>
+            <a:r>
+              <a:rPr lang="en-US" dirty="0"/>
+              <a:t>(word, ++</a:t>
+            </a:r>
+            <a:r>
+              <a:rPr lang="en-US" dirty="0" err="1"/>
+              <a:t>timesTried</a:t>
+            </a:r>
+            <a:r>
+              <a:rPr lang="en-US" dirty="0"/>
+              <a:t>);</a:t>
+            </a:r>
+          </a:p>
+          <a:p>
+            <a:r>
+              <a:rPr lang="en-US" dirty="0"/>
+              <a:t>}</a:t>
+            </a:r>
+          </a:p>
+          <a:p>
+            <a:r>
+              <a:rPr lang="en-US" b="1" dirty="0"/>
+              <a:t>break;</a:t>
+            </a:r>
+            <a:endParaRPr lang="en-US" dirty="0"/>
+          </a:p>
+        </p:txBody>
+      </p:sp>
+    </p:spTree>
+    <p:extLst>
+      <p:ext uri="{BB962C8B-B14F-4D97-AF65-F5344CB8AC3E}">
+        <p14:creationId xmlns:p14="http://schemas.microsoft.com/office/powerpoint/2010/main" val="1619037994"/>
+      </p:ext>
+    </p:extLst>
+  </p:cSld>
+  <p:clrMapOvr>
+    <a:masterClrMapping/>
+  </p:clrMapOvr>
+</p:sld>
+</file>
+
+<file path=ppt/slides/slide11.xml><?xml version="1.0" encoding="utf-8"?>
+<p:sld xmlns:a="http://schemas.openxmlformats.org/drawingml/2006/main" xmlns:r="http://schemas.openxmlformats.org/officeDocument/2006/relationships" xmlns:p="http://schemas.openxmlformats.org/presentationml/2006/main">
+  <p:cSld>
+    <p:spTree>
+      <p:nvGrpSpPr>
+        <p:cNvPr id="1" name=""/>
+        <p:cNvGrpSpPr/>
+        <p:nvPr/>
+      </p:nvGrpSpPr>
+      <p:grpSpPr>
+        <a:xfrm>
+          <a:off x="0" y="0"/>
+          <a:ext cx="0" cy="0"/>
+          <a:chOff x="0" y="0"/>
+          <a:chExt cx="0" cy="0"/>
+        </a:xfrm>
+      </p:grpSpPr>
+      <p:sp>
+        <p:nvSpPr>
+          <p:cNvPr id="2" name="Title 1"/>
+          <p:cNvSpPr>
+            <a:spLocks noGrp="1"/>
+          </p:cNvSpPr>
+          <p:nvPr>
+            <p:ph type="title"/>
+          </p:nvPr>
+        </p:nvSpPr>
+        <p:spPr>
+          <a:xfrm>
+            <a:off x="914400" y="457200"/>
+            <a:ext cx="7315200" cy="1154097"/>
+          </a:xfrm>
+        </p:spPr>
+        <p:txBody>
+          <a:bodyPr/>
+          <a:lstStyle/>
+          <a:p>
+            <a:r>
+              <a:rPr lang="en-US" dirty="0" smtClean="0"/>
+              <a:t>Functionality</a:t>
             </a:r>
             <a:endParaRPr lang="en-US" dirty="0"/>
           </a:p>
@@ -3289,8 +3614,8 @@
         </p:nvSpPr>
         <p:spPr>
           <a:xfrm>
-            <a:off x="1295400" y="1752600"/>
-            <a:ext cx="2362200" cy="1142999"/>
+            <a:off x="914400" y="1752601"/>
+            <a:ext cx="2667000" cy="533399"/>
           </a:xfrm>
         </p:spPr>
         <p:txBody>
@@ -3300,10 +3625,10 @@
           <a:lstStyle/>
           <a:p>
             <a:r>
-              <a:rPr lang="en-US" sz="4400" dirty="0" smtClean="0"/>
-              <a:t>DEMO</a:t>
-            </a:r>
-            <a:endParaRPr lang="en-US" sz="4400" dirty="0"/>
+              <a:rPr lang="en-US" dirty="0" smtClean="0"/>
+              <a:t>EPIC GRAPHICS!</a:t>
+            </a:r>
+            <a:endParaRPr lang="en-US" dirty="0"/>
           </a:p>
         </p:txBody>
       </p:sp>
@@ -3329,6 +3654,126 @@
         </p:blipFill>
         <p:spPr>
           <a:xfrm>
+            <a:off x="2819400" y="2286000"/>
+            <a:ext cx="4162953" cy="4162953"/>
+          </a:xfrm>
+          <a:prstGeom prst="rect">
+            <a:avLst/>
+          </a:prstGeom>
+        </p:spPr>
+      </p:pic>
+    </p:spTree>
+    <p:extLst>
+      <p:ext uri="{BB962C8B-B14F-4D97-AF65-F5344CB8AC3E}">
+        <p14:creationId xmlns:p14="http://schemas.microsoft.com/office/powerpoint/2010/main" val="1728032133"/>
+      </p:ext>
+    </p:extLst>
+  </p:cSld>
+  <p:clrMapOvr>
+    <a:masterClrMapping/>
+  </p:clrMapOvr>
+</p:sld>
+</file>
+
+<file path=ppt/slides/slide12.xml><?xml version="1.0" encoding="utf-8"?>
+<p:sld xmlns:a="http://schemas.openxmlformats.org/drawingml/2006/main" xmlns:r="http://schemas.openxmlformats.org/officeDocument/2006/relationships" xmlns:p="http://schemas.openxmlformats.org/presentationml/2006/main">
+  <p:cSld>
+    <p:spTree>
+      <p:nvGrpSpPr>
+        <p:cNvPr id="1" name=""/>
+        <p:cNvGrpSpPr/>
+        <p:nvPr/>
+      </p:nvGrpSpPr>
+      <p:grpSpPr>
+        <a:xfrm>
+          <a:off x="0" y="0"/>
+          <a:ext cx="0" cy="0"/>
+          <a:chOff x="0" y="0"/>
+          <a:chExt cx="0" cy="0"/>
+        </a:xfrm>
+      </p:grpSpPr>
+      <p:sp>
+        <p:nvSpPr>
+          <p:cNvPr id="2" name="Title 1"/>
+          <p:cNvSpPr>
+            <a:spLocks noGrp="1"/>
+          </p:cNvSpPr>
+          <p:nvPr>
+            <p:ph type="title"/>
+          </p:nvPr>
+        </p:nvSpPr>
+        <p:spPr>
+          <a:xfrm>
+            <a:off x="914400" y="457200"/>
+            <a:ext cx="7315200" cy="1154097"/>
+          </a:xfrm>
+        </p:spPr>
+        <p:txBody>
+          <a:bodyPr>
+            <a:normAutofit/>
+          </a:bodyPr>
+          <a:lstStyle/>
+          <a:p>
+            <a:r>
+              <a:rPr lang="en-US" dirty="0" smtClean="0"/>
+              <a:t>Complete Game</a:t>
+            </a:r>
+            <a:endParaRPr lang="en-US" dirty="0"/>
+          </a:p>
+        </p:txBody>
+      </p:sp>
+      <p:sp>
+        <p:nvSpPr>
+          <p:cNvPr id="3" name="Content Placeholder 2"/>
+          <p:cNvSpPr>
+            <a:spLocks noGrp="1"/>
+          </p:cNvSpPr>
+          <p:nvPr>
+            <p:ph idx="1"/>
+          </p:nvPr>
+        </p:nvSpPr>
+        <p:spPr>
+          <a:xfrm>
+            <a:off x="1295400" y="1752600"/>
+            <a:ext cx="2362200" cy="1142999"/>
+          </a:xfrm>
+        </p:spPr>
+        <p:txBody>
+          <a:bodyPr>
+            <a:normAutofit/>
+          </a:bodyPr>
+          <a:lstStyle/>
+          <a:p>
+            <a:r>
+              <a:rPr lang="en-US" sz="4400" dirty="0" smtClean="0"/>
+              <a:t>DEMO</a:t>
+            </a:r>
+            <a:endParaRPr lang="en-US" sz="4400" dirty="0"/>
+          </a:p>
+        </p:txBody>
+      </p:sp>
+      <p:pic>
+        <p:nvPicPr>
+          <p:cNvPr id="4" name="Picture 3"/>
+          <p:cNvPicPr>
+            <a:picLocks noChangeAspect="1"/>
+          </p:cNvPicPr>
+          <p:nvPr/>
+        </p:nvPicPr>
+        <p:blipFill>
+          <a:blip r:embed="rId2">
+            <a:extLst>
+              <a:ext uri="{28A0092B-C50C-407E-A947-70E740481C1C}">
+                <a14:useLocalDpi xmlns:a14="http://schemas.microsoft.com/office/drawing/2010/main" val="0"/>
+              </a:ext>
+            </a:extLst>
+          </a:blip>
+          <a:stretch>
+            <a:fillRect/>
+          </a:stretch>
+        </p:blipFill>
+        <p:spPr>
+          <a:xfrm>
             <a:off x="3733800" y="2286000"/>
             <a:ext cx="4745736" cy="4058047"/>
           </a:xfrm>
@@ -3341,6 +3786,118 @@
     <p:extLst>
       <p:ext uri="{BB962C8B-B14F-4D97-AF65-F5344CB8AC3E}">
         <p14:creationId xmlns:p14="http://schemas.microsoft.com/office/powerpoint/2010/main" val="2667990133"/>
+      </p:ext>
+    </p:extLst>
+  </p:cSld>
+  <p:clrMapOvr>
+    <a:masterClrMapping/>
+  </p:clrMapOvr>
+</p:sld>
+</file>
+
+<file path=ppt/slides/slide13.xml><?xml version="1.0" encoding="utf-8"?>
+<p:sld xmlns:a="http://schemas.openxmlformats.org/drawingml/2006/main" xmlns:r="http://schemas.openxmlformats.org/officeDocument/2006/relationships" xmlns:p="http://schemas.openxmlformats.org/presentationml/2006/main">
+  <p:cSld>
+    <p:spTree>
+      <p:nvGrpSpPr>
+        <p:cNvPr id="1" name=""/>
+        <p:cNvGrpSpPr/>
+        <p:nvPr/>
+      </p:nvGrpSpPr>
+      <p:grpSpPr>
+        <a:xfrm>
+          <a:off x="0" y="0"/>
+          <a:ext cx="0" cy="0"/>
+          <a:chOff x="0" y="0"/>
+          <a:chExt cx="0" cy="0"/>
+        </a:xfrm>
+      </p:grpSpPr>
+      <p:sp>
+        <p:nvSpPr>
+          <p:cNvPr id="2" name="Title 1"/>
+          <p:cNvSpPr>
+            <a:spLocks noGrp="1"/>
+          </p:cNvSpPr>
+          <p:nvPr>
+            <p:ph type="title"/>
+          </p:nvPr>
+        </p:nvSpPr>
+        <p:spPr>
+          <a:xfrm>
+            <a:off x="914400" y="457200"/>
+            <a:ext cx="7315200" cy="1154097"/>
+          </a:xfrm>
+        </p:spPr>
+        <p:txBody>
+          <a:bodyPr>
+            <a:normAutofit/>
+          </a:bodyPr>
+          <a:lstStyle/>
+          <a:p>
+            <a:r>
+              <a:rPr lang="en-US" dirty="0" smtClean="0"/>
+              <a:t>Lessons Learned</a:t>
+            </a:r>
+            <a:endParaRPr lang="en-US" dirty="0"/>
+          </a:p>
+        </p:txBody>
+      </p:sp>
+      <p:sp>
+        <p:nvSpPr>
+          <p:cNvPr id="3" name="Content Placeholder 2"/>
+          <p:cNvSpPr>
+            <a:spLocks noGrp="1"/>
+          </p:cNvSpPr>
+          <p:nvPr>
+            <p:ph idx="1"/>
+          </p:nvPr>
+        </p:nvSpPr>
+        <p:spPr>
+          <a:xfrm>
+            <a:off x="1295400" y="1752600"/>
+            <a:ext cx="7391400" cy="3581400"/>
+          </a:xfrm>
+        </p:spPr>
+        <p:txBody>
+          <a:bodyPr>
+            <a:normAutofit/>
+          </a:bodyPr>
+          <a:lstStyle/>
+          <a:p>
+            <a:r>
+              <a:rPr lang="en-US" sz="2800" dirty="0" smtClean="0"/>
+              <a:t>Pair programming rocks [in a sufficiently sized room]</a:t>
+            </a:r>
+          </a:p>
+          <a:p>
+            <a:r>
+              <a:rPr lang="en-US" sz="2800" dirty="0" err="1" smtClean="0"/>
+              <a:t>Git</a:t>
+            </a:r>
+            <a:r>
+              <a:rPr lang="en-US" sz="2800" dirty="0" smtClean="0"/>
+              <a:t> is helpful [when it doesn’t get corrupted]</a:t>
+            </a:r>
+          </a:p>
+          <a:p>
+            <a:r>
+              <a:rPr lang="en-US" sz="2800" dirty="0" smtClean="0"/>
+              <a:t>Row and column should not be confused with column and row</a:t>
+            </a:r>
+          </a:p>
+          <a:p>
+            <a:r>
+              <a:rPr lang="en-US" sz="2800" dirty="0" smtClean="0"/>
+              <a:t>Testing really helps in a group.</a:t>
+            </a:r>
+            <a:endParaRPr lang="en-US" sz="2800" dirty="0" smtClean="0"/>
+          </a:p>
+        </p:txBody>
+      </p:sp>
+    </p:spTree>
+    <p:extLst>
+      <p:ext uri="{BB962C8B-B14F-4D97-AF65-F5344CB8AC3E}">
+        <p14:creationId xmlns:p14="http://schemas.microsoft.com/office/powerpoint/2010/main" val="1936735629"/>
       </p:ext>
     </p:extLst>
   </p:cSld>
@@ -4272,7 +4829,7 @@
         <p:spPr>
           <a:xfrm>
             <a:off x="914400" y="1752601"/>
-            <a:ext cx="2667000" cy="533399"/>
+            <a:ext cx="7543800" cy="533399"/>
           </a:xfrm>
         </p:spPr>
         <p:txBody>
@@ -4283,7 +4840,7 @@
           <a:p>
             <a:r>
               <a:rPr lang="en-US" dirty="0" smtClean="0"/>
-              <a:t>EPIC GRAPHICS!</a:t>
+              <a:t>DENSITY</a:t>
             </a:r>
             <a:endParaRPr lang="en-US" dirty="0"/>
           </a:p>
@@ -4291,7 +4848,7 @@
       </p:sp>
       <p:pic>
         <p:nvPicPr>
-          <p:cNvPr id="4" name="Picture 3"/>
+          <p:cNvPr id="5" name="Picture 4"/>
           <p:cNvPicPr>
             <a:picLocks noChangeAspect="1"/>
           </p:cNvPicPr>
@@ -4311,8 +4868,8 @@
         </p:blipFill>
         <p:spPr>
           <a:xfrm>
-            <a:off x="2819400" y="2286000"/>
-            <a:ext cx="4162953" cy="4162953"/>
+            <a:off x="2819400" y="1676400"/>
+            <a:ext cx="5528595" cy="3962400"/>
           </a:xfrm>
           <a:prstGeom prst="rect">
             <a:avLst/>
@@ -4322,7 +4879,7 @@
     </p:spTree>
     <p:extLst>
       <p:ext uri="{BB962C8B-B14F-4D97-AF65-F5344CB8AC3E}">
-        <p14:creationId xmlns:p14="http://schemas.microsoft.com/office/powerpoint/2010/main" val="1728032133"/>
+        <p14:creationId xmlns:p14="http://schemas.microsoft.com/office/powerpoint/2010/main" val="3937603479"/>
       </p:ext>
     </p:extLst>
   </p:cSld>
